--- a/example39.pptx
+++ b/example39.pptx
@@ -105,6 +105,11 @@
       </a:defRPr>
     </a:lvl9pPr>
   </p:defaultTextStyle>
+  <p:extLst>
+    <p:ext uri="{EFAFB233-063F-42B5-8137-9DF3F51BA10A}">
+      <p15:sldGuideLst xmlns:p15="http://schemas.microsoft.com/office/powerpoint/2012/main"/>
+    </p:ext>
+  </p:extLst>
 </p:presentation>
 </file>
 
@@ -150,10 +155,9 @@
           </a:lstStyle>
           <a:p>
             <a:r>
-              <a:rPr lang="en-US" smtClean="0"/>
+              <a:rPr lang="en-US"/>
               <a:t>Click to edit Master title style</a:t>
             </a:r>
-            <a:endParaRPr lang="en-US"/>
           </a:p>
         </p:txBody>
       </p:sp>
@@ -215,10 +219,9 @@
           </a:lstStyle>
           <a:p>
             <a:r>
-              <a:rPr lang="en-US" smtClean="0"/>
+              <a:rPr lang="en-US"/>
               <a:t>Click to edit Master subtitle style</a:t>
             </a:r>
-            <a:endParaRPr lang="en-US"/>
           </a:p>
         </p:txBody>
       </p:sp>
@@ -239,7 +242,7 @@
           <a:p>
             <a:fld id="{2CD61CBC-DF22-462B-A116-34924560C7A4}" type="datetimeFigureOut">
               <a:rPr lang="en-US" smtClean="0"/>
-              <a:t>5/7/2021</a:t>
+              <a:t>5/8/2021</a:t>
             </a:fld>
             <a:endParaRPr lang="en-US"/>
           </a:p>
@@ -333,10 +336,9 @@
           <a:lstStyle/>
           <a:p>
             <a:r>
-              <a:rPr lang="en-US" smtClean="0"/>
+              <a:rPr lang="en-US"/>
               <a:t>Click to edit Master title style</a:t>
             </a:r>
-            <a:endParaRPr lang="en-US"/>
           </a:p>
         </p:txBody>
       </p:sp>
@@ -357,38 +359,37 @@
           <a:p>
             <a:pPr lvl="0"/>
             <a:r>
-              <a:rPr lang="en-US" smtClean="0"/>
+              <a:rPr lang="en-US"/>
               <a:t>Edit Master text styles</a:t>
             </a:r>
           </a:p>
           <a:p>
             <a:pPr lvl="1"/>
             <a:r>
-              <a:rPr lang="en-US" smtClean="0"/>
+              <a:rPr lang="en-US"/>
               <a:t>Second level</a:t>
             </a:r>
           </a:p>
           <a:p>
             <a:pPr lvl="2"/>
             <a:r>
-              <a:rPr lang="en-US" smtClean="0"/>
+              <a:rPr lang="en-US"/>
               <a:t>Third level</a:t>
             </a:r>
           </a:p>
           <a:p>
             <a:pPr lvl="3"/>
             <a:r>
-              <a:rPr lang="en-US" smtClean="0"/>
+              <a:rPr lang="en-US"/>
               <a:t>Fourth level</a:t>
             </a:r>
           </a:p>
           <a:p>
             <a:pPr lvl="4"/>
             <a:r>
-              <a:rPr lang="en-US" smtClean="0"/>
+              <a:rPr lang="en-US"/>
               <a:t>Fifth level</a:t>
             </a:r>
-            <a:endParaRPr lang="en-US"/>
           </a:p>
         </p:txBody>
       </p:sp>
@@ -409,7 +410,7 @@
           <a:p>
             <a:fld id="{2CD61CBC-DF22-462B-A116-34924560C7A4}" type="datetimeFigureOut">
               <a:rPr lang="en-US" smtClean="0"/>
-              <a:t>5/7/2021</a:t>
+              <a:t>5/8/2021</a:t>
             </a:fld>
             <a:endParaRPr lang="en-US"/>
           </a:p>
@@ -508,10 +509,9 @@
           <a:lstStyle/>
           <a:p>
             <a:r>
-              <a:rPr lang="en-US" smtClean="0"/>
+              <a:rPr lang="en-US"/>
               <a:t>Click to edit Master title style</a:t>
             </a:r>
-            <a:endParaRPr lang="en-US"/>
           </a:p>
         </p:txBody>
       </p:sp>
@@ -537,38 +537,37 @@
           <a:p>
             <a:pPr lvl="0"/>
             <a:r>
-              <a:rPr lang="en-US" smtClean="0"/>
+              <a:rPr lang="en-US"/>
               <a:t>Edit Master text styles</a:t>
             </a:r>
           </a:p>
           <a:p>
             <a:pPr lvl="1"/>
             <a:r>
-              <a:rPr lang="en-US" smtClean="0"/>
+              <a:rPr lang="en-US"/>
               <a:t>Second level</a:t>
             </a:r>
           </a:p>
           <a:p>
             <a:pPr lvl="2"/>
             <a:r>
-              <a:rPr lang="en-US" smtClean="0"/>
+              <a:rPr lang="en-US"/>
               <a:t>Third level</a:t>
             </a:r>
           </a:p>
           <a:p>
             <a:pPr lvl="3"/>
             <a:r>
-              <a:rPr lang="en-US" smtClean="0"/>
+              <a:rPr lang="en-US"/>
               <a:t>Fourth level</a:t>
             </a:r>
           </a:p>
           <a:p>
             <a:pPr lvl="4"/>
             <a:r>
-              <a:rPr lang="en-US" smtClean="0"/>
+              <a:rPr lang="en-US"/>
               <a:t>Fifth level</a:t>
             </a:r>
-            <a:endParaRPr lang="en-US"/>
           </a:p>
         </p:txBody>
       </p:sp>
@@ -589,7 +588,7 @@
           <a:p>
             <a:fld id="{2CD61CBC-DF22-462B-A116-34924560C7A4}" type="datetimeFigureOut">
               <a:rPr lang="en-US" smtClean="0"/>
-              <a:t>5/7/2021</a:t>
+              <a:t>5/8/2021</a:t>
             </a:fld>
             <a:endParaRPr lang="en-US"/>
           </a:p>
@@ -683,10 +682,9 @@
           <a:lstStyle/>
           <a:p>
             <a:r>
-              <a:rPr lang="en-US" smtClean="0"/>
+              <a:rPr lang="en-US"/>
               <a:t>Click to edit Master title style</a:t>
             </a:r>
-            <a:endParaRPr lang="en-US"/>
           </a:p>
         </p:txBody>
       </p:sp>
@@ -707,38 +705,37 @@
           <a:p>
             <a:pPr lvl="0"/>
             <a:r>
-              <a:rPr lang="en-US" smtClean="0"/>
+              <a:rPr lang="en-US"/>
               <a:t>Edit Master text styles</a:t>
             </a:r>
           </a:p>
           <a:p>
             <a:pPr lvl="1"/>
             <a:r>
-              <a:rPr lang="en-US" smtClean="0"/>
+              <a:rPr lang="en-US"/>
               <a:t>Second level</a:t>
             </a:r>
           </a:p>
           <a:p>
             <a:pPr lvl="2"/>
             <a:r>
-              <a:rPr lang="en-US" smtClean="0"/>
+              <a:rPr lang="en-US"/>
               <a:t>Third level</a:t>
             </a:r>
           </a:p>
           <a:p>
             <a:pPr lvl="3"/>
             <a:r>
-              <a:rPr lang="en-US" smtClean="0"/>
+              <a:rPr lang="en-US"/>
               <a:t>Fourth level</a:t>
             </a:r>
           </a:p>
           <a:p>
             <a:pPr lvl="4"/>
             <a:r>
-              <a:rPr lang="en-US" smtClean="0"/>
+              <a:rPr lang="en-US"/>
               <a:t>Fifth level</a:t>
             </a:r>
-            <a:endParaRPr lang="en-US"/>
           </a:p>
         </p:txBody>
       </p:sp>
@@ -759,7 +756,7 @@
           <a:p>
             <a:fld id="{2CD61CBC-DF22-462B-A116-34924560C7A4}" type="datetimeFigureOut">
               <a:rPr lang="en-US" smtClean="0"/>
-              <a:t>5/7/2021</a:t>
+              <a:t>5/8/2021</a:t>
             </a:fld>
             <a:endParaRPr lang="en-US"/>
           </a:p>
@@ -862,10 +859,9 @@
           </a:lstStyle>
           <a:p>
             <a:r>
-              <a:rPr lang="en-US" smtClean="0"/>
+              <a:rPr lang="en-US"/>
               <a:t>Click to edit Master title style</a:t>
             </a:r>
-            <a:endParaRPr lang="en-US"/>
           </a:p>
         </p:txBody>
       </p:sp>
@@ -982,7 +978,7 @@
           <a:p>
             <a:pPr lvl="0"/>
             <a:r>
-              <a:rPr lang="en-US" smtClean="0"/>
+              <a:rPr lang="en-US"/>
               <a:t>Edit Master text styles</a:t>
             </a:r>
           </a:p>
@@ -1005,7 +1001,7 @@
           <a:p>
             <a:fld id="{2CD61CBC-DF22-462B-A116-34924560C7A4}" type="datetimeFigureOut">
               <a:rPr lang="en-US" smtClean="0"/>
-              <a:t>5/7/2021</a:t>
+              <a:t>5/8/2021</a:t>
             </a:fld>
             <a:endParaRPr lang="en-US"/>
           </a:p>
@@ -1099,10 +1095,9 @@
           <a:lstStyle/>
           <a:p>
             <a:r>
-              <a:rPr lang="en-US" smtClean="0"/>
+              <a:rPr lang="en-US"/>
               <a:t>Click to edit Master title style</a:t>
             </a:r>
-            <a:endParaRPr lang="en-US"/>
           </a:p>
         </p:txBody>
       </p:sp>
@@ -1128,38 +1123,37 @@
           <a:p>
             <a:pPr lvl="0"/>
             <a:r>
-              <a:rPr lang="en-US" smtClean="0"/>
+              <a:rPr lang="en-US"/>
               <a:t>Edit Master text styles</a:t>
             </a:r>
           </a:p>
           <a:p>
             <a:pPr lvl="1"/>
             <a:r>
-              <a:rPr lang="en-US" smtClean="0"/>
+              <a:rPr lang="en-US"/>
               <a:t>Second level</a:t>
             </a:r>
           </a:p>
           <a:p>
             <a:pPr lvl="2"/>
             <a:r>
-              <a:rPr lang="en-US" smtClean="0"/>
+              <a:rPr lang="en-US"/>
               <a:t>Third level</a:t>
             </a:r>
           </a:p>
           <a:p>
             <a:pPr lvl="3"/>
             <a:r>
-              <a:rPr lang="en-US" smtClean="0"/>
+              <a:rPr lang="en-US"/>
               <a:t>Fourth level</a:t>
             </a:r>
           </a:p>
           <a:p>
             <a:pPr lvl="4"/>
             <a:r>
-              <a:rPr lang="en-US" smtClean="0"/>
+              <a:rPr lang="en-US"/>
               <a:t>Fifth level</a:t>
             </a:r>
-            <a:endParaRPr lang="en-US"/>
           </a:p>
         </p:txBody>
       </p:sp>
@@ -1185,38 +1179,37 @@
           <a:p>
             <a:pPr lvl="0"/>
             <a:r>
-              <a:rPr lang="en-US" smtClean="0"/>
+              <a:rPr lang="en-US"/>
               <a:t>Edit Master text styles</a:t>
             </a:r>
           </a:p>
           <a:p>
             <a:pPr lvl="1"/>
             <a:r>
-              <a:rPr lang="en-US" smtClean="0"/>
+              <a:rPr lang="en-US"/>
               <a:t>Second level</a:t>
             </a:r>
           </a:p>
           <a:p>
             <a:pPr lvl="2"/>
             <a:r>
-              <a:rPr lang="en-US" smtClean="0"/>
+              <a:rPr lang="en-US"/>
               <a:t>Third level</a:t>
             </a:r>
           </a:p>
           <a:p>
             <a:pPr lvl="3"/>
             <a:r>
-              <a:rPr lang="en-US" smtClean="0"/>
+              <a:rPr lang="en-US"/>
               <a:t>Fourth level</a:t>
             </a:r>
           </a:p>
           <a:p>
             <a:pPr lvl="4"/>
             <a:r>
-              <a:rPr lang="en-US" smtClean="0"/>
+              <a:rPr lang="en-US"/>
               <a:t>Fifth level</a:t>
             </a:r>
-            <a:endParaRPr lang="en-US"/>
           </a:p>
         </p:txBody>
       </p:sp>
@@ -1237,7 +1230,7 @@
           <a:p>
             <a:fld id="{2CD61CBC-DF22-462B-A116-34924560C7A4}" type="datetimeFigureOut">
               <a:rPr lang="en-US" smtClean="0"/>
-              <a:t>5/7/2021</a:t>
+              <a:t>5/8/2021</a:t>
             </a:fld>
             <a:endParaRPr lang="en-US"/>
           </a:p>
@@ -1336,10 +1329,9 @@
           <a:lstStyle/>
           <a:p>
             <a:r>
-              <a:rPr lang="en-US" smtClean="0"/>
+              <a:rPr lang="en-US"/>
               <a:t>Click to edit Master title style</a:t>
             </a:r>
-            <a:endParaRPr lang="en-US"/>
           </a:p>
         </p:txBody>
       </p:sp>
@@ -1402,7 +1394,7 @@
           <a:p>
             <a:pPr lvl="0"/>
             <a:r>
-              <a:rPr lang="en-US" smtClean="0"/>
+              <a:rPr lang="en-US"/>
               <a:t>Edit Master text styles</a:t>
             </a:r>
           </a:p>
@@ -1430,38 +1422,37 @@
           <a:p>
             <a:pPr lvl="0"/>
             <a:r>
-              <a:rPr lang="en-US" smtClean="0"/>
+              <a:rPr lang="en-US"/>
               <a:t>Edit Master text styles</a:t>
             </a:r>
           </a:p>
           <a:p>
             <a:pPr lvl="1"/>
             <a:r>
-              <a:rPr lang="en-US" smtClean="0"/>
+              <a:rPr lang="en-US"/>
               <a:t>Second level</a:t>
             </a:r>
           </a:p>
           <a:p>
             <a:pPr lvl="2"/>
             <a:r>
-              <a:rPr lang="en-US" smtClean="0"/>
+              <a:rPr lang="en-US"/>
               <a:t>Third level</a:t>
             </a:r>
           </a:p>
           <a:p>
             <a:pPr lvl="3"/>
             <a:r>
-              <a:rPr lang="en-US" smtClean="0"/>
+              <a:rPr lang="en-US"/>
               <a:t>Fourth level</a:t>
             </a:r>
           </a:p>
           <a:p>
             <a:pPr lvl="4"/>
             <a:r>
-              <a:rPr lang="en-US" smtClean="0"/>
+              <a:rPr lang="en-US"/>
               <a:t>Fifth level</a:t>
             </a:r>
-            <a:endParaRPr lang="en-US"/>
           </a:p>
         </p:txBody>
       </p:sp>
@@ -1524,7 +1515,7 @@
           <a:p>
             <a:pPr lvl="0"/>
             <a:r>
-              <a:rPr lang="en-US" smtClean="0"/>
+              <a:rPr lang="en-US"/>
               <a:t>Edit Master text styles</a:t>
             </a:r>
           </a:p>
@@ -1552,38 +1543,37 @@
           <a:p>
             <a:pPr lvl="0"/>
             <a:r>
-              <a:rPr lang="en-US" smtClean="0"/>
+              <a:rPr lang="en-US"/>
               <a:t>Edit Master text styles</a:t>
             </a:r>
           </a:p>
           <a:p>
             <a:pPr lvl="1"/>
             <a:r>
-              <a:rPr lang="en-US" smtClean="0"/>
+              <a:rPr lang="en-US"/>
               <a:t>Second level</a:t>
             </a:r>
           </a:p>
           <a:p>
             <a:pPr lvl="2"/>
             <a:r>
-              <a:rPr lang="en-US" smtClean="0"/>
+              <a:rPr lang="en-US"/>
               <a:t>Third level</a:t>
             </a:r>
           </a:p>
           <a:p>
             <a:pPr lvl="3"/>
             <a:r>
-              <a:rPr lang="en-US" smtClean="0"/>
+              <a:rPr lang="en-US"/>
               <a:t>Fourth level</a:t>
             </a:r>
           </a:p>
           <a:p>
             <a:pPr lvl="4"/>
             <a:r>
-              <a:rPr lang="en-US" smtClean="0"/>
+              <a:rPr lang="en-US"/>
               <a:t>Fifth level</a:t>
             </a:r>
-            <a:endParaRPr lang="en-US"/>
           </a:p>
         </p:txBody>
       </p:sp>
@@ -1604,7 +1594,7 @@
           <a:p>
             <a:fld id="{2CD61CBC-DF22-462B-A116-34924560C7A4}" type="datetimeFigureOut">
               <a:rPr lang="en-US" smtClean="0"/>
-              <a:t>5/7/2021</a:t>
+              <a:t>5/8/2021</a:t>
             </a:fld>
             <a:endParaRPr lang="en-US"/>
           </a:p>
@@ -1698,10 +1688,9 @@
           <a:lstStyle/>
           <a:p>
             <a:r>
-              <a:rPr lang="en-US" smtClean="0"/>
+              <a:rPr lang="en-US"/>
               <a:t>Click to edit Master title style</a:t>
             </a:r>
-            <a:endParaRPr lang="en-US"/>
           </a:p>
         </p:txBody>
       </p:sp>
@@ -1722,7 +1711,7 @@
           <a:p>
             <a:fld id="{2CD61CBC-DF22-462B-A116-34924560C7A4}" type="datetimeFigureOut">
               <a:rPr lang="en-US" smtClean="0"/>
-              <a:t>5/7/2021</a:t>
+              <a:t>5/8/2021</a:t>
             </a:fld>
             <a:endParaRPr lang="en-US"/>
           </a:p>
@@ -1817,7 +1806,7 @@
           <a:p>
             <a:fld id="{2CD61CBC-DF22-462B-A116-34924560C7A4}" type="datetimeFigureOut">
               <a:rPr lang="en-US" smtClean="0"/>
-              <a:t>5/7/2021</a:t>
+              <a:t>5/8/2021</a:t>
             </a:fld>
             <a:endParaRPr lang="en-US"/>
           </a:p>
@@ -1920,10 +1909,9 @@
           </a:lstStyle>
           <a:p>
             <a:r>
-              <a:rPr lang="en-US" smtClean="0"/>
+              <a:rPr lang="en-US"/>
               <a:t>Click to edit Master title style</a:t>
             </a:r>
-            <a:endParaRPr lang="en-US"/>
           </a:p>
         </p:txBody>
       </p:sp>
@@ -1977,38 +1965,37 @@
           <a:p>
             <a:pPr lvl="0"/>
             <a:r>
-              <a:rPr lang="en-US" smtClean="0"/>
+              <a:rPr lang="en-US"/>
               <a:t>Edit Master text styles</a:t>
             </a:r>
           </a:p>
           <a:p>
             <a:pPr lvl="1"/>
             <a:r>
-              <a:rPr lang="en-US" smtClean="0"/>
+              <a:rPr lang="en-US"/>
               <a:t>Second level</a:t>
             </a:r>
           </a:p>
           <a:p>
             <a:pPr lvl="2"/>
             <a:r>
-              <a:rPr lang="en-US" smtClean="0"/>
+              <a:rPr lang="en-US"/>
               <a:t>Third level</a:t>
             </a:r>
           </a:p>
           <a:p>
             <a:pPr lvl="3"/>
             <a:r>
-              <a:rPr lang="en-US" smtClean="0"/>
+              <a:rPr lang="en-US"/>
               <a:t>Fourth level</a:t>
             </a:r>
           </a:p>
           <a:p>
             <a:pPr lvl="4"/>
             <a:r>
-              <a:rPr lang="en-US" smtClean="0"/>
+              <a:rPr lang="en-US"/>
               <a:t>Fifth level</a:t>
             </a:r>
-            <a:endParaRPr lang="en-US"/>
           </a:p>
         </p:txBody>
       </p:sp>
@@ -2071,7 +2058,7 @@
           <a:p>
             <a:pPr lvl="0"/>
             <a:r>
-              <a:rPr lang="en-US" smtClean="0"/>
+              <a:rPr lang="en-US"/>
               <a:t>Edit Master text styles</a:t>
             </a:r>
           </a:p>
@@ -2094,7 +2081,7 @@
           <a:p>
             <a:fld id="{2CD61CBC-DF22-462B-A116-34924560C7A4}" type="datetimeFigureOut">
               <a:rPr lang="en-US" smtClean="0"/>
-              <a:t>5/7/2021</a:t>
+              <a:t>5/8/2021</a:t>
             </a:fld>
             <a:endParaRPr lang="en-US"/>
           </a:p>
@@ -2197,10 +2184,9 @@
           </a:lstStyle>
           <a:p>
             <a:r>
-              <a:rPr lang="en-US" smtClean="0"/>
+              <a:rPr lang="en-US"/>
               <a:t>Click to edit Master title style</a:t>
             </a:r>
-            <a:endParaRPr lang="en-US"/>
           </a:p>
         </p:txBody>
       </p:sp>
@@ -2324,7 +2310,7 @@
           <a:p>
             <a:pPr lvl="0"/>
             <a:r>
-              <a:rPr lang="en-US" smtClean="0"/>
+              <a:rPr lang="en-US"/>
               <a:t>Edit Master text styles</a:t>
             </a:r>
           </a:p>
@@ -2347,7 +2333,7 @@
           <a:p>
             <a:fld id="{2CD61CBC-DF22-462B-A116-34924560C7A4}" type="datetimeFigureOut">
               <a:rPr lang="en-US" smtClean="0"/>
-              <a:t>5/7/2021</a:t>
+              <a:t>5/8/2021</a:t>
             </a:fld>
             <a:endParaRPr lang="en-US"/>
           </a:p>
@@ -2456,10 +2442,9 @@
           <a:lstStyle/>
           <a:p>
             <a:r>
-              <a:rPr lang="en-US" smtClean="0"/>
+              <a:rPr lang="en-US"/>
               <a:t>Click to edit Master title style</a:t>
             </a:r>
-            <a:endParaRPr lang="en-US"/>
           </a:p>
         </p:txBody>
       </p:sp>
@@ -2490,38 +2475,37 @@
           <a:p>
             <a:pPr lvl="0"/>
             <a:r>
-              <a:rPr lang="en-US" smtClean="0"/>
+              <a:rPr lang="en-US"/>
               <a:t>Edit Master text styles</a:t>
             </a:r>
           </a:p>
           <a:p>
             <a:pPr lvl="1"/>
             <a:r>
-              <a:rPr lang="en-US" smtClean="0"/>
+              <a:rPr lang="en-US"/>
               <a:t>Second level</a:t>
             </a:r>
           </a:p>
           <a:p>
             <a:pPr lvl="2"/>
             <a:r>
-              <a:rPr lang="en-US" smtClean="0"/>
+              <a:rPr lang="en-US"/>
               <a:t>Third level</a:t>
             </a:r>
           </a:p>
           <a:p>
             <a:pPr lvl="3"/>
             <a:r>
-              <a:rPr lang="en-US" smtClean="0"/>
+              <a:rPr lang="en-US"/>
               <a:t>Fourth level</a:t>
             </a:r>
           </a:p>
           <a:p>
             <a:pPr lvl="4"/>
             <a:r>
-              <a:rPr lang="en-US" smtClean="0"/>
+              <a:rPr lang="en-US"/>
               <a:t>Fifth level</a:t>
             </a:r>
-            <a:endParaRPr lang="en-US"/>
           </a:p>
         </p:txBody>
       </p:sp>
@@ -2560,7 +2544,7 @@
           <a:p>
             <a:fld id="{2CD61CBC-DF22-462B-A116-34924560C7A4}" type="datetimeFigureOut">
               <a:rPr lang="en-US" smtClean="0"/>
-              <a:t>5/7/2021</a:t>
+              <a:t>5/8/2021</a:t>
             </a:fld>
             <a:endParaRPr lang="en-US"/>
           </a:p>
@@ -2981,11 +2965,11 @@
           <a:lstStyle/>
           <a:p>
             <a:r>
-              <a:rPr lang="en-US" dirty="0" smtClean="0"/>
+              <a:rPr lang="en-US" dirty="0"/>
               <a:t>@</a:t>
             </a:r>
             <a:r>
-              <a:rPr lang="en-US" dirty="0" err="1" smtClean="0"/>
+              <a:rPr lang="en-US" dirty="0" err="1"/>
               <a:t>PropertySource</a:t>
             </a:r>
             <a:endParaRPr lang="en-US" dirty="0"/>
@@ -3011,79 +2995,79 @@
               <a:buNone/>
             </a:pPr>
             <a:r>
-              <a:rPr lang="ru-RU" dirty="0" smtClean="0"/>
+              <a:rPr lang="ru-RU" dirty="0"/>
               <a:t>@</a:t>
             </a:r>
             <a:r>
-              <a:rPr lang="ru-RU" dirty="0" err="1" smtClean="0"/>
+              <a:rPr lang="ru-RU" dirty="0" err="1"/>
               <a:t>PropertySource</a:t>
             </a:r>
             <a:r>
-              <a:rPr lang="ru-RU" dirty="0" smtClean="0"/>
+              <a:rPr lang="ru-RU" dirty="0"/>
               <a:t> аннотация предоставляет удобный механизм для добавления источника свойств(файла .</a:t>
             </a:r>
             <a:r>
-              <a:rPr lang="ru-RU" dirty="0" err="1" smtClean="0"/>
+              <a:rPr lang="ru-RU" dirty="0" err="1"/>
               <a:t>properties</a:t>
             </a:r>
             <a:r>
-              <a:rPr lang="ru-RU" dirty="0" smtClean="0"/>
+              <a:rPr lang="ru-RU" dirty="0"/>
               <a:t>)  в среду (</a:t>
             </a:r>
             <a:r>
-              <a:rPr lang="ru-RU" dirty="0" err="1" smtClean="0"/>
+              <a:rPr lang="ru-RU" dirty="0" err="1"/>
               <a:t>Environment</a:t>
             </a:r>
             <a:r>
-              <a:rPr lang="ru-RU" dirty="0" smtClean="0"/>
+              <a:rPr lang="ru-RU" dirty="0"/>
               <a:t>) </a:t>
             </a:r>
             <a:r>
-              <a:rPr lang="ru-RU" dirty="0" err="1" smtClean="0"/>
+              <a:rPr lang="ru-RU" dirty="0" err="1"/>
               <a:t>Spring'a</a:t>
             </a:r>
             <a:r>
-              <a:rPr lang="ru-RU" dirty="0" smtClean="0"/>
+              <a:rPr lang="ru-RU" dirty="0"/>
               <a:t>.</a:t>
             </a:r>
           </a:p>
           <a:p>
-            <a:endParaRPr lang="ru-RU" dirty="0" smtClean="0"/>
+            <a:endParaRPr lang="ru-RU" dirty="0"/>
           </a:p>
           <a:p>
             <a:pPr marL="0" indent="0">
               <a:buNone/>
             </a:pPr>
             <a:r>
-              <a:rPr lang="ru-RU" dirty="0" smtClean="0"/>
+              <a:rPr lang="ru-RU" dirty="0"/>
               <a:t>Для использования навешиваем аннотацию </a:t>
             </a:r>
             <a:r>
-              <a:rPr lang="en-US" dirty="0" smtClean="0"/>
+              <a:rPr lang="en-US" dirty="0"/>
               <a:t>@</a:t>
             </a:r>
             <a:r>
-              <a:rPr lang="en-US" dirty="0" err="1" smtClean="0"/>
+              <a:rPr lang="en-US" dirty="0" err="1"/>
               <a:t>PropertySource</a:t>
             </a:r>
             <a:r>
-              <a:rPr lang="ru-RU" dirty="0" smtClean="0"/>
+              <a:rPr lang="ru-RU" dirty="0"/>
               <a:t> на </a:t>
             </a:r>
             <a:r>
-              <a:rPr lang="ru-RU" dirty="0" err="1" smtClean="0"/>
+              <a:rPr lang="ru-RU" dirty="0" err="1"/>
               <a:t>конфигурацинный</a:t>
             </a:r>
             <a:r>
-              <a:rPr lang="ru-RU" dirty="0" smtClean="0"/>
+              <a:rPr lang="ru-RU" dirty="0"/>
               <a:t> класс, указываем расположение </a:t>
             </a:r>
             <a:r>
-              <a:rPr lang="en-US" dirty="0" smtClean="0"/>
+              <a:rPr lang="en-US" dirty="0"/>
               <a:t>.properties </a:t>
             </a:r>
             <a:r>
-              <a:rPr lang="ru-RU" dirty="0" smtClean="0"/>
+              <a:rPr lang="ru-RU" dirty="0"/>
               <a:t>файла</a:t>
             </a:r>
             <a:endParaRPr lang="en-US" dirty="0"/>
@@ -3161,7 +3145,7 @@
               <a:tabLst/>
             </a:pPr>
             <a:r>
-              <a:rPr kumimoji="0" lang="en-US" altLang="en-US" sz="2000" b="0" i="0" u="none" strike="noStrike" cap="none" normalizeH="0" baseline="0" dirty="0" smtClean="0">
+              <a:rPr kumimoji="0" lang="en-US" altLang="en-US" sz="2000" b="0" i="0" u="none" strike="noStrike" cap="none" normalizeH="0" baseline="0" dirty="0">
                 <a:ln>
                   <a:noFill/>
                 </a:ln>
@@ -3174,7 +3158,7 @@
               <a:t>@</a:t>
             </a:r>
             <a:r>
-              <a:rPr kumimoji="0" lang="en-US" altLang="en-US" sz="2000" b="0" i="0" u="none" strike="noStrike" cap="none" normalizeH="0" baseline="0" dirty="0" err="1" smtClean="0">
+              <a:rPr kumimoji="0" lang="en-US" altLang="en-US" sz="2000" b="0" i="0" u="none" strike="noStrike" cap="none" normalizeH="0" baseline="0" dirty="0" err="1">
                 <a:ln>
                   <a:noFill/>
                 </a:ln>
@@ -3187,7 +3171,7 @@
               <a:t>PropertySource</a:t>
             </a:r>
             <a:r>
-              <a:rPr kumimoji="0" lang="en-US" altLang="en-US" sz="2000" b="0" i="0" u="none" strike="noStrike" cap="none" normalizeH="0" baseline="0" dirty="0" smtClean="0">
+              <a:rPr kumimoji="0" lang="en-US" altLang="en-US" sz="2000" b="0" i="0" u="none" strike="noStrike" cap="none" normalizeH="0" baseline="0" dirty="0">
                 <a:ln>
                   <a:noFill/>
                 </a:ln>
@@ -3200,7 +3184,7 @@
               <a:t>(</a:t>
             </a:r>
             <a:r>
-              <a:rPr kumimoji="0" lang="en-US" altLang="en-US" sz="2000" b="0" i="0" u="none" strike="noStrike" cap="none" normalizeH="0" baseline="0" dirty="0" smtClean="0">
+              <a:rPr kumimoji="0" lang="en-US" altLang="en-US" sz="2000" b="0" i="0" u="none" strike="noStrike" cap="none" normalizeH="0" baseline="0" dirty="0">
                 <a:ln>
                   <a:noFill/>
                 </a:ln>
@@ -3213,7 +3197,7 @@
               <a:t>"classpath:example38/</a:t>
             </a:r>
             <a:r>
-              <a:rPr kumimoji="0" lang="en-US" altLang="en-US" sz="2000" b="0" i="0" u="none" strike="noStrike" cap="none" normalizeH="0" baseline="0" dirty="0" err="1" smtClean="0">
+              <a:rPr kumimoji="0" lang="en-US" altLang="en-US" sz="2000" b="0" i="0" u="none" strike="noStrike" cap="none" normalizeH="0" baseline="0" dirty="0" err="1">
                 <a:ln>
                   <a:noFill/>
                 </a:ln>
@@ -3226,7 +3210,7 @@
               <a:t>jdbc.properties</a:t>
             </a:r>
             <a:r>
-              <a:rPr kumimoji="0" lang="en-US" altLang="en-US" sz="2000" b="0" i="0" u="none" strike="noStrike" cap="none" normalizeH="0" baseline="0" dirty="0" smtClean="0">
+              <a:rPr kumimoji="0" lang="en-US" altLang="en-US" sz="2000" b="0" i="0" u="none" strike="noStrike" cap="none" normalizeH="0" baseline="0" dirty="0">
                 <a:ln>
                   <a:noFill/>
                 </a:ln>
@@ -3239,7 +3223,7 @@
               <a:t>"</a:t>
             </a:r>
             <a:r>
-              <a:rPr kumimoji="0" lang="en-US" altLang="en-US" sz="2000" b="0" i="0" u="none" strike="noStrike" cap="none" normalizeH="0" baseline="0" dirty="0" smtClean="0">
+              <a:rPr kumimoji="0" lang="en-US" altLang="en-US" sz="2000" b="0" i="0" u="none" strike="noStrike" cap="none" normalizeH="0" baseline="0" dirty="0">
                 <a:ln>
                   <a:noFill/>
                 </a:ln>
@@ -3251,7 +3235,7 @@
               </a:rPr>
               <a:t>)</a:t>
             </a:r>
-            <a:endParaRPr kumimoji="0" lang="en-US" altLang="en-US" sz="2000" b="0" i="0" u="none" strike="noStrike" cap="none" normalizeH="0" baseline="0" dirty="0" smtClean="0">
+            <a:endParaRPr kumimoji="0" lang="en-US" altLang="en-US" sz="2000" b="0" i="0" u="none" strike="noStrike" cap="none" normalizeH="0" baseline="0" dirty="0">
               <a:ln>
                 <a:noFill/>
               </a:ln>
@@ -3318,23 +3302,23 @@
               <a:buNone/>
             </a:pPr>
             <a:r>
-              <a:rPr lang="ru-RU" dirty="0" smtClean="0"/>
+              <a:rPr lang="ru-RU" dirty="0"/>
               <a:t>В классе указываем поле </a:t>
             </a:r>
             <a:r>
-              <a:rPr lang="en-US" dirty="0" smtClean="0"/>
+              <a:rPr lang="en-US" dirty="0"/>
               <a:t>Environment</a:t>
             </a:r>
             <a:r>
-              <a:rPr lang="ru-RU" dirty="0" smtClean="0"/>
+              <a:rPr lang="ru-RU" dirty="0"/>
               <a:t> </a:t>
             </a:r>
             <a:r>
-              <a:rPr lang="en-US" dirty="0" err="1" smtClean="0"/>
+              <a:rPr lang="en-US" dirty="0" err="1"/>
               <a:t>org.springframework.core.env.Environment</a:t>
             </a:r>
             <a:r>
-              <a:rPr lang="ru-RU" dirty="0" smtClean="0"/>
+              <a:rPr lang="ru-RU" dirty="0"/>
               <a:t> класса.</a:t>
             </a:r>
           </a:p>
@@ -3343,7 +3327,7 @@
               <a:buNone/>
             </a:pPr>
             <a:r>
-              <a:rPr lang="ru-RU" dirty="0" smtClean="0"/>
+              <a:rPr lang="ru-RU" dirty="0"/>
               <a:t>Из него мы сможем получать значения свойства, указав его имя:</a:t>
             </a:r>
             <a:endParaRPr lang="en-US" dirty="0"/>
@@ -3421,7 +3405,7 @@
               <a:tabLst/>
             </a:pPr>
             <a:r>
-              <a:rPr kumimoji="0" lang="en-US" altLang="en-US" sz="2000" b="0" i="0" u="none" strike="noStrike" cap="none" normalizeH="0" baseline="0" dirty="0" err="1" smtClean="0">
+              <a:rPr kumimoji="0" lang="en-US" altLang="en-US" sz="2000" b="0" i="0" u="none" strike="noStrike" cap="none" normalizeH="0" baseline="0" dirty="0" err="1">
                 <a:ln>
                   <a:noFill/>
                 </a:ln>
@@ -3434,7 +3418,7 @@
               <a:t>config.getEnv</a:t>
             </a:r>
             <a:r>
-              <a:rPr kumimoji="0" lang="en-US" altLang="en-US" sz="2000" b="0" i="0" u="none" strike="noStrike" cap="none" normalizeH="0" baseline="0" dirty="0" smtClean="0">
+              <a:rPr kumimoji="0" lang="en-US" altLang="en-US" sz="2000" b="0" i="0" u="none" strike="noStrike" cap="none" normalizeH="0" baseline="0" dirty="0">
                 <a:ln>
                   <a:noFill/>
                 </a:ln>
@@ -3447,7 +3431,7 @@
               <a:t>().</a:t>
             </a:r>
             <a:r>
-              <a:rPr kumimoji="0" lang="en-US" altLang="en-US" sz="2000" b="0" i="0" u="none" strike="noStrike" cap="none" normalizeH="0" baseline="0" dirty="0" err="1" smtClean="0">
+              <a:rPr kumimoji="0" lang="en-US" altLang="en-US" sz="2000" b="0" i="0" u="none" strike="noStrike" cap="none" normalizeH="0" baseline="0" dirty="0" err="1">
                 <a:ln>
                   <a:noFill/>
                 </a:ln>
@@ -3460,7 +3444,7 @@
               <a:t>getProperty</a:t>
             </a:r>
             <a:r>
-              <a:rPr kumimoji="0" lang="en-US" altLang="en-US" sz="2000" b="0" i="0" u="none" strike="noStrike" cap="none" normalizeH="0" baseline="0" dirty="0" smtClean="0">
+              <a:rPr kumimoji="0" lang="en-US" altLang="en-US" sz="2000" b="0" i="0" u="none" strike="noStrike" cap="none" normalizeH="0" baseline="0" dirty="0">
                 <a:ln>
                   <a:noFill/>
                 </a:ln>
@@ -3473,7 +3457,7 @@
               <a:t>(</a:t>
             </a:r>
             <a:r>
-              <a:rPr kumimoji="0" lang="en-US" altLang="en-US" sz="2000" b="0" i="0" u="none" strike="noStrike" cap="none" normalizeH="0" baseline="0" dirty="0" smtClean="0">
+              <a:rPr kumimoji="0" lang="en-US" altLang="en-US" sz="2000" b="0" i="0" u="none" strike="noStrike" cap="none" normalizeH="0" baseline="0" dirty="0">
                 <a:ln>
                   <a:noFill/>
                 </a:ln>
@@ -3486,7 +3470,7 @@
               <a:t>"</a:t>
             </a:r>
             <a:r>
-              <a:rPr kumimoji="0" lang="en-US" altLang="en-US" sz="2000" b="0" i="0" u="none" strike="noStrike" cap="none" normalizeH="0" baseline="0" dirty="0" err="1" smtClean="0">
+              <a:rPr kumimoji="0" lang="en-US" altLang="en-US" sz="2000" b="0" i="0" u="none" strike="noStrike" cap="none" normalizeH="0" baseline="0" dirty="0" err="1">
                 <a:ln>
                   <a:noFill/>
                 </a:ln>
@@ -3499,7 +3483,7 @@
               <a:t>jdbc.other</a:t>
             </a:r>
             <a:r>
-              <a:rPr kumimoji="0" lang="en-US" altLang="en-US" sz="2000" b="0" i="0" u="none" strike="noStrike" cap="none" normalizeH="0" baseline="0" dirty="0" smtClean="0">
+              <a:rPr kumimoji="0" lang="en-US" altLang="en-US" sz="2000" b="0" i="0" u="none" strike="noStrike" cap="none" normalizeH="0" baseline="0" dirty="0">
                 <a:ln>
                   <a:noFill/>
                 </a:ln>
@@ -3512,7 +3496,7 @@
               <a:t>"</a:t>
             </a:r>
             <a:r>
-              <a:rPr kumimoji="0" lang="en-US" altLang="en-US" sz="2000" b="0" i="0" u="none" strike="noStrike" cap="none" normalizeH="0" baseline="0" dirty="0" smtClean="0">
+              <a:rPr kumimoji="0" lang="en-US" altLang="en-US" sz="2000" b="0" i="0" u="none" strike="noStrike" cap="none" normalizeH="0" baseline="0" dirty="0">
                 <a:ln>
                   <a:noFill/>
                 </a:ln>
@@ -3524,7 +3508,7 @@
               </a:rPr>
               <a:t>)</a:t>
             </a:r>
-            <a:endParaRPr kumimoji="0" lang="en-US" altLang="en-US" sz="2000" b="0" i="0" u="none" strike="noStrike" cap="none" normalizeH="0" baseline="0" dirty="0" smtClean="0">
+            <a:endParaRPr kumimoji="0" lang="en-US" altLang="en-US" sz="2000" b="0" i="0" u="none" strike="noStrike" cap="none" normalizeH="0" baseline="0" dirty="0">
               <a:ln>
                 <a:noFill/>
               </a:ln>
